--- a/instructor/l08/l08-pad.pptx
+++ b/instructor/l08/l08-pad.pptx
@@ -10,9 +10,11 @@
     <p:sldId id="263" r:id="rId4"/>
     <p:sldId id="257" r:id="rId5"/>
     <p:sldId id="261" r:id="rId6"/>
-    <p:sldId id="258" r:id="rId7"/>
-    <p:sldId id="259" r:id="rId8"/>
-    <p:sldId id="260" r:id="rId9"/>
+    <p:sldId id="264" r:id="rId7"/>
+    <p:sldId id="258" r:id="rId8"/>
+    <p:sldId id="265" r:id="rId9"/>
+    <p:sldId id="259" r:id="rId10"/>
+    <p:sldId id="260" r:id="rId11"/>
   </p:sldIdLst>
   <p:sldSz cx="12192000" cy="6858000"/>
   <p:notesSz cx="6858000" cy="9144000"/>
@@ -266,7 +268,7 @@
           <a:p>
             <a:fld id="{B2CF0F59-BB81-2A41-AFA3-FE5B8DAFAE6E}" type="datetimeFigureOut">
               <a:rPr lang="en-US" smtClean="0"/>
-              <a:t>2/2/23</a:t>
+              <a:t>10/3/23</a:t>
             </a:fld>
             <a:endParaRPr lang="en-US"/>
           </a:p>
@@ -464,7 +466,7 @@
           <a:p>
             <a:fld id="{B2CF0F59-BB81-2A41-AFA3-FE5B8DAFAE6E}" type="datetimeFigureOut">
               <a:rPr lang="en-US" smtClean="0"/>
-              <a:t>2/2/23</a:t>
+              <a:t>10/3/23</a:t>
             </a:fld>
             <a:endParaRPr lang="en-US"/>
           </a:p>
@@ -672,7 +674,7 @@
           <a:p>
             <a:fld id="{B2CF0F59-BB81-2A41-AFA3-FE5B8DAFAE6E}" type="datetimeFigureOut">
               <a:rPr lang="en-US" smtClean="0"/>
-              <a:t>2/2/23</a:t>
+              <a:t>10/3/23</a:t>
             </a:fld>
             <a:endParaRPr lang="en-US"/>
           </a:p>
@@ -870,7 +872,7 @@
           <a:p>
             <a:fld id="{B2CF0F59-BB81-2A41-AFA3-FE5B8DAFAE6E}" type="datetimeFigureOut">
               <a:rPr lang="en-US" smtClean="0"/>
-              <a:t>2/2/23</a:t>
+              <a:t>10/3/23</a:t>
             </a:fld>
             <a:endParaRPr lang="en-US"/>
           </a:p>
@@ -1145,7 +1147,7 @@
           <a:p>
             <a:fld id="{B2CF0F59-BB81-2A41-AFA3-FE5B8DAFAE6E}" type="datetimeFigureOut">
               <a:rPr lang="en-US" smtClean="0"/>
-              <a:t>2/2/23</a:t>
+              <a:t>10/3/23</a:t>
             </a:fld>
             <a:endParaRPr lang="en-US"/>
           </a:p>
@@ -1410,7 +1412,7 @@
           <a:p>
             <a:fld id="{B2CF0F59-BB81-2A41-AFA3-FE5B8DAFAE6E}" type="datetimeFigureOut">
               <a:rPr lang="en-US" smtClean="0"/>
-              <a:t>2/2/23</a:t>
+              <a:t>10/3/23</a:t>
             </a:fld>
             <a:endParaRPr lang="en-US"/>
           </a:p>
@@ -1822,7 +1824,7 @@
           <a:p>
             <a:fld id="{B2CF0F59-BB81-2A41-AFA3-FE5B8DAFAE6E}" type="datetimeFigureOut">
               <a:rPr lang="en-US" smtClean="0"/>
-              <a:t>2/2/23</a:t>
+              <a:t>10/3/23</a:t>
             </a:fld>
             <a:endParaRPr lang="en-US"/>
           </a:p>
@@ -1963,7 +1965,7 @@
           <a:p>
             <a:fld id="{B2CF0F59-BB81-2A41-AFA3-FE5B8DAFAE6E}" type="datetimeFigureOut">
               <a:rPr lang="en-US" smtClean="0"/>
-              <a:t>2/2/23</a:t>
+              <a:t>10/3/23</a:t>
             </a:fld>
             <a:endParaRPr lang="en-US"/>
           </a:p>
@@ -2076,7 +2078,7 @@
           <a:p>
             <a:fld id="{B2CF0F59-BB81-2A41-AFA3-FE5B8DAFAE6E}" type="datetimeFigureOut">
               <a:rPr lang="en-US" smtClean="0"/>
-              <a:t>2/2/23</a:t>
+              <a:t>10/3/23</a:t>
             </a:fld>
             <a:endParaRPr lang="en-US"/>
           </a:p>
@@ -2387,7 +2389,7 @@
           <a:p>
             <a:fld id="{B2CF0F59-BB81-2A41-AFA3-FE5B8DAFAE6E}" type="datetimeFigureOut">
               <a:rPr lang="en-US" smtClean="0"/>
-              <a:t>2/2/23</a:t>
+              <a:t>10/3/23</a:t>
             </a:fld>
             <a:endParaRPr lang="en-US"/>
           </a:p>
@@ -2675,7 +2677,7 @@
           <a:p>
             <a:fld id="{B2CF0F59-BB81-2A41-AFA3-FE5B8DAFAE6E}" type="datetimeFigureOut">
               <a:rPr lang="en-US" smtClean="0"/>
-              <a:t>2/2/23</a:t>
+              <a:t>10/3/23</a:t>
             </a:fld>
             <a:endParaRPr lang="en-US"/>
           </a:p>
@@ -2916,7 +2918,7 @@
           <a:p>
             <a:fld id="{B2CF0F59-BB81-2A41-AFA3-FE5B8DAFAE6E}" type="datetimeFigureOut">
               <a:rPr lang="en-US" smtClean="0"/>
-              <a:t>2/2/23</a:t>
+              <a:t>10/3/23</a:t>
             </a:fld>
             <a:endParaRPr lang="en-US"/>
           </a:p>
@@ -3435,6 +3437,66 @@
 </p:sld>
 </file>
 
+<file path=ppt/slides/slide10.xml><?xml version="1.0" encoding="utf-8"?>
+<p:sld xmlns:a="http://schemas.openxmlformats.org/drawingml/2006/main" xmlns:r="http://schemas.openxmlformats.org/officeDocument/2006/relationships" xmlns:p="http://schemas.openxmlformats.org/presentationml/2006/main">
+  <p:cSld>
+    <p:spTree>
+      <p:nvGrpSpPr>
+        <p:cNvPr id="1" name=""/>
+        <p:cNvGrpSpPr/>
+        <p:nvPr/>
+      </p:nvGrpSpPr>
+      <p:grpSpPr>
+        <a:xfrm>
+          <a:off x="0" y="0"/>
+          <a:ext cx="0" cy="0"/>
+          <a:chOff x="0" y="0"/>
+          <a:chExt cx="0" cy="0"/>
+        </a:xfrm>
+      </p:grpSpPr>
+      <p:pic>
+        <p:nvPicPr>
+          <p:cNvPr id="2" name="Picture 1">
+            <a:extLst>
+              <a:ext uri="{FF2B5EF4-FFF2-40B4-BE49-F238E27FC236}">
+                <a16:creationId xmlns:a16="http://schemas.microsoft.com/office/drawing/2014/main" id="{2860A13D-524E-0CE5-24F4-91F3F0CBC84A}"/>
+              </a:ext>
+            </a:extLst>
+          </p:cNvPr>
+          <p:cNvPicPr>
+            <a:picLocks noChangeAspect="1"/>
+          </p:cNvPicPr>
+          <p:nvPr/>
+        </p:nvPicPr>
+        <p:blipFill>
+          <a:blip r:embed="rId2"/>
+          <a:stretch>
+            <a:fillRect/>
+          </a:stretch>
+        </p:blipFill>
+        <p:spPr>
+          <a:xfrm>
+            <a:off x="1524000" y="0"/>
+            <a:ext cx="7772400" cy="5829300"/>
+          </a:xfrm>
+          <a:prstGeom prst="rect">
+            <a:avLst/>
+          </a:prstGeom>
+        </p:spPr>
+      </p:pic>
+    </p:spTree>
+    <p:extLst>
+      <p:ext uri="{BB962C8B-B14F-4D97-AF65-F5344CB8AC3E}">
+        <p14:creationId xmlns:p14="http://schemas.microsoft.com/office/powerpoint/2010/main" val="3178336964"/>
+      </p:ext>
+    </p:extLst>
+  </p:cSld>
+  <p:clrMapOvr>
+    <a:masterClrMapping/>
+  </p:clrMapOvr>
+</p:sld>
+</file>
+
 <file path=ppt/slides/slide2.xml><?xml version="1.0" encoding="utf-8"?>
 <p:sld xmlns:a="http://schemas.openxmlformats.org/drawingml/2006/main" xmlns:r="http://schemas.openxmlformats.org/officeDocument/2006/relationships" xmlns:p="http://schemas.openxmlformats.org/presentationml/2006/main">
   <p:cSld>
@@ -5175,40 +5237,620 @@
           <a:chExt cx="0" cy="0"/>
         </a:xfrm>
       </p:grpSpPr>
-      <p:pic>
-        <p:nvPicPr>
-          <p:cNvPr id="2" name="Picture 1">
-            <a:extLst>
-              <a:ext uri="{FF2B5EF4-FFF2-40B4-BE49-F238E27FC236}">
-                <a16:creationId xmlns:a16="http://schemas.microsoft.com/office/drawing/2014/main" id="{72C36E86-A316-A742-3B9B-6834593E07B3}"/>
-              </a:ext>
-            </a:extLst>
-          </p:cNvPr>
-          <p:cNvPicPr>
-            <a:picLocks noChangeAspect="1"/>
-          </p:cNvPicPr>
+      <p:sp>
+        <p:nvSpPr>
+          <p:cNvPr id="17" name="Rectangle 16">
+            <a:extLst>
+              <a:ext uri="{FF2B5EF4-FFF2-40B4-BE49-F238E27FC236}">
+                <a16:creationId xmlns:a16="http://schemas.microsoft.com/office/drawing/2014/main" id="{6C14E648-2697-1291-1B2D-13D3D488DC8E}"/>
+              </a:ext>
+            </a:extLst>
+          </p:cNvPr>
+          <p:cNvSpPr/>
           <p:nvPr/>
-        </p:nvPicPr>
-        <p:blipFill>
-          <a:blip r:embed="rId2"/>
-          <a:stretch>
-            <a:fillRect/>
-          </a:stretch>
-        </p:blipFill>
-        <p:spPr>
-          <a:xfrm>
-            <a:off x="1524000" y="0"/>
-            <a:ext cx="7772400" cy="5829300"/>
+        </p:nvSpPr>
+        <p:spPr>
+          <a:xfrm>
+            <a:off x="4638707" y="1094362"/>
+            <a:ext cx="194553" cy="165370"/>
           </a:xfrm>
           <a:prstGeom prst="rect">
             <a:avLst/>
           </a:prstGeom>
         </p:spPr>
-      </p:pic>
+        <p:style>
+          <a:lnRef idx="2">
+            <a:schemeClr val="accent1">
+              <a:shade val="50000"/>
+            </a:schemeClr>
+          </a:lnRef>
+          <a:fillRef idx="1">
+            <a:schemeClr val="accent1"/>
+          </a:fillRef>
+          <a:effectRef idx="0">
+            <a:schemeClr val="accent1"/>
+          </a:effectRef>
+          <a:fontRef idx="minor">
+            <a:schemeClr val="lt1"/>
+          </a:fontRef>
+        </p:style>
+        <p:txBody>
+          <a:bodyPr rtlCol="0" anchor="ctr"/>
+          <a:lstStyle/>
+          <a:p>
+            <a:pPr algn="ctr"/>
+            <a:endParaRPr lang="en-US"/>
+          </a:p>
+        </p:txBody>
+      </p:sp>
+      <p:sp>
+        <p:nvSpPr>
+          <p:cNvPr id="18" name="Rectangle 17">
+            <a:extLst>
+              <a:ext uri="{FF2B5EF4-FFF2-40B4-BE49-F238E27FC236}">
+                <a16:creationId xmlns:a16="http://schemas.microsoft.com/office/drawing/2014/main" id="{4CA2F3AB-1908-3E13-BFA7-8AC42318E242}"/>
+              </a:ext>
+            </a:extLst>
+          </p:cNvPr>
+          <p:cNvSpPr/>
+          <p:nvPr/>
+        </p:nvSpPr>
+        <p:spPr>
+          <a:xfrm>
+            <a:off x="1730138" y="870626"/>
+            <a:ext cx="560962" cy="612842"/>
+          </a:xfrm>
+          <a:prstGeom prst="rect">
+            <a:avLst/>
+          </a:prstGeom>
+        </p:spPr>
+        <p:style>
+          <a:lnRef idx="2">
+            <a:schemeClr val="accent1">
+              <a:shade val="50000"/>
+            </a:schemeClr>
+          </a:lnRef>
+          <a:fillRef idx="1">
+            <a:schemeClr val="accent1"/>
+          </a:fillRef>
+          <a:effectRef idx="0">
+            <a:schemeClr val="accent1"/>
+          </a:effectRef>
+          <a:fontRef idx="minor">
+            <a:schemeClr val="lt1"/>
+          </a:fontRef>
+        </p:style>
+        <p:txBody>
+          <a:bodyPr rtlCol="0" anchor="ctr"/>
+          <a:lstStyle/>
+          <a:p>
+            <a:pPr algn="ctr"/>
+            <a:endParaRPr lang="en-US"/>
+          </a:p>
+        </p:txBody>
+      </p:sp>
+      <p:sp>
+        <p:nvSpPr>
+          <p:cNvPr id="19" name="Rectangle 18">
+            <a:extLst>
+              <a:ext uri="{FF2B5EF4-FFF2-40B4-BE49-F238E27FC236}">
+                <a16:creationId xmlns:a16="http://schemas.microsoft.com/office/drawing/2014/main" id="{43DE4E89-13D6-1A7D-6C25-56D03274DE0E}"/>
+              </a:ext>
+            </a:extLst>
+          </p:cNvPr>
+          <p:cNvSpPr/>
+          <p:nvPr/>
+        </p:nvSpPr>
+        <p:spPr>
+          <a:xfrm>
+            <a:off x="2670479" y="744167"/>
+            <a:ext cx="830091" cy="865761"/>
+          </a:xfrm>
+          <a:prstGeom prst="rect">
+            <a:avLst/>
+          </a:prstGeom>
+        </p:spPr>
+        <p:style>
+          <a:lnRef idx="2">
+            <a:schemeClr val="accent1">
+              <a:shade val="50000"/>
+            </a:schemeClr>
+          </a:lnRef>
+          <a:fillRef idx="1">
+            <a:schemeClr val="accent1"/>
+          </a:fillRef>
+          <a:effectRef idx="0">
+            <a:schemeClr val="accent1"/>
+          </a:effectRef>
+          <a:fontRef idx="minor">
+            <a:schemeClr val="lt1"/>
+          </a:fontRef>
+        </p:style>
+        <p:txBody>
+          <a:bodyPr rtlCol="0" anchor="ctr"/>
+          <a:lstStyle/>
+          <a:p>
+            <a:pPr algn="ctr"/>
+            <a:endParaRPr lang="en-US"/>
+          </a:p>
+        </p:txBody>
+      </p:sp>
+      <p:sp>
+        <p:nvSpPr>
+          <p:cNvPr id="20" name="Rectangle 19">
+            <a:extLst>
+              <a:ext uri="{FF2B5EF4-FFF2-40B4-BE49-F238E27FC236}">
+                <a16:creationId xmlns:a16="http://schemas.microsoft.com/office/drawing/2014/main" id="{AD951B93-0EA2-38F7-E5A1-554712A055D8}"/>
+              </a:ext>
+            </a:extLst>
+          </p:cNvPr>
+          <p:cNvSpPr/>
+          <p:nvPr/>
+        </p:nvSpPr>
+        <p:spPr>
+          <a:xfrm>
+            <a:off x="3879949" y="982494"/>
+            <a:ext cx="379379" cy="389107"/>
+          </a:xfrm>
+          <a:prstGeom prst="rect">
+            <a:avLst/>
+          </a:prstGeom>
+        </p:spPr>
+        <p:style>
+          <a:lnRef idx="2">
+            <a:schemeClr val="accent1">
+              <a:shade val="50000"/>
+            </a:schemeClr>
+          </a:lnRef>
+          <a:fillRef idx="1">
+            <a:schemeClr val="accent1"/>
+          </a:fillRef>
+          <a:effectRef idx="0">
+            <a:schemeClr val="accent1"/>
+          </a:effectRef>
+          <a:fontRef idx="minor">
+            <a:schemeClr val="lt1"/>
+          </a:fontRef>
+        </p:style>
+        <p:txBody>
+          <a:bodyPr rtlCol="0" anchor="ctr"/>
+          <a:lstStyle/>
+          <a:p>
+            <a:pPr algn="ctr"/>
+            <a:endParaRPr lang="en-US"/>
+          </a:p>
+        </p:txBody>
+      </p:sp>
+      <p:sp>
+        <p:nvSpPr>
+          <p:cNvPr id="21" name="TextBox 20">
+            <a:extLst>
+              <a:ext uri="{FF2B5EF4-FFF2-40B4-BE49-F238E27FC236}">
+                <a16:creationId xmlns:a16="http://schemas.microsoft.com/office/drawing/2014/main" id="{F7E256CA-B823-1BDF-4B73-5829CF9BF260}"/>
+              </a:ext>
+            </a:extLst>
+          </p:cNvPr>
+          <p:cNvSpPr txBox="1"/>
+          <p:nvPr/>
+        </p:nvSpPr>
+        <p:spPr>
+          <a:xfrm>
+            <a:off x="1292392" y="540364"/>
+            <a:ext cx="3978614" cy="1107996"/>
+          </a:xfrm>
+          <a:prstGeom prst="rect">
+            <a:avLst/>
+          </a:prstGeom>
+          <a:noFill/>
+        </p:spPr>
+        <p:txBody>
+          <a:bodyPr wrap="square" rtlCol="0">
+            <a:spAutoFit/>
+          </a:bodyPr>
+          <a:lstStyle/>
+          <a:p>
+            <a:r>
+              <a:rPr lang="en-US" sz="6600" dirty="0"/>
+              <a:t>(                 )</a:t>
+            </a:r>
+          </a:p>
+        </p:txBody>
+      </p:sp>
+      <p:grpSp>
+        <p:nvGrpSpPr>
+          <p:cNvPr id="11" name="Group 10">
+            <a:extLst>
+              <a:ext uri="{FF2B5EF4-FFF2-40B4-BE49-F238E27FC236}">
+                <a16:creationId xmlns:a16="http://schemas.microsoft.com/office/drawing/2014/main" id="{2E9882F4-F23A-1598-276B-956F70578752}"/>
+              </a:ext>
+            </a:extLst>
+          </p:cNvPr>
+          <p:cNvGrpSpPr/>
+          <p:nvPr/>
+        </p:nvGrpSpPr>
+        <p:grpSpPr>
+          <a:xfrm>
+            <a:off x="1292392" y="2890028"/>
+            <a:ext cx="9446945" cy="2127600"/>
+            <a:chOff x="854645" y="2520377"/>
+            <a:chExt cx="9446945" cy="2127600"/>
+          </a:xfrm>
+        </p:grpSpPr>
+        <p:sp>
+          <p:nvSpPr>
+            <p:cNvPr id="2" name="TextBox 1">
+              <a:extLst>
+                <a:ext uri="{FF2B5EF4-FFF2-40B4-BE49-F238E27FC236}">
+                  <a16:creationId xmlns:a16="http://schemas.microsoft.com/office/drawing/2014/main" id="{8DC0CA60-0902-4FAC-EE15-59185DC552D1}"/>
+                </a:ext>
+              </a:extLst>
+            </p:cNvPr>
+            <p:cNvSpPr txBox="1"/>
+            <p:nvPr/>
+          </p:nvSpPr>
+          <p:spPr>
+            <a:xfrm>
+              <a:off x="854645" y="2520377"/>
+              <a:ext cx="9446945" cy="2123658"/>
+            </a:xfrm>
+            <a:prstGeom prst="rect">
+              <a:avLst/>
+            </a:prstGeom>
+            <a:noFill/>
+          </p:spPr>
+          <p:txBody>
+            <a:bodyPr wrap="square" rtlCol="0">
+              <a:spAutoFit/>
+            </a:bodyPr>
+            <a:lstStyle/>
+            <a:p>
+              <a:r>
+                <a:rPr lang="en-US" sz="6600" dirty="0"/>
+                <a:t>( …</a:t>
+              </a:r>
+              <a:br>
+                <a:rPr lang="en-US" sz="6600" dirty="0"/>
+              </a:br>
+              <a:r>
+                <a:rPr lang="en-US" sz="6600" dirty="0"/>
+                <a:t>                       )</a:t>
+              </a:r>
+            </a:p>
+          </p:txBody>
+        </p:sp>
+        <p:grpSp>
+          <p:nvGrpSpPr>
+            <p:cNvPr id="9" name="Group 8">
+              <a:extLst>
+                <a:ext uri="{FF2B5EF4-FFF2-40B4-BE49-F238E27FC236}">
+                  <a16:creationId xmlns:a16="http://schemas.microsoft.com/office/drawing/2014/main" id="{A3D67B43-3026-1AFB-A684-256A23F404A8}"/>
+                </a:ext>
+              </a:extLst>
+            </p:cNvPr>
+            <p:cNvGrpSpPr/>
+            <p:nvPr/>
+          </p:nvGrpSpPr>
+          <p:grpSpPr>
+            <a:xfrm>
+              <a:off x="2270021" y="3539981"/>
+              <a:ext cx="3978614" cy="1107996"/>
+              <a:chOff x="2291100" y="3429000"/>
+              <a:chExt cx="3978614" cy="1107996"/>
+            </a:xfrm>
+          </p:grpSpPr>
+          <p:sp>
+            <p:nvSpPr>
+              <p:cNvPr id="32" name="TextBox 31">
+                <a:extLst>
+                  <a:ext uri="{FF2B5EF4-FFF2-40B4-BE49-F238E27FC236}">
+                    <a16:creationId xmlns:a16="http://schemas.microsoft.com/office/drawing/2014/main" id="{00557946-EA5A-0117-3DC1-BC5DDD4371F2}"/>
+                  </a:ext>
+                </a:extLst>
+              </p:cNvPr>
+              <p:cNvSpPr txBox="1"/>
+              <p:nvPr/>
+            </p:nvSpPr>
+            <p:spPr>
+              <a:xfrm>
+                <a:off x="2291100" y="3429000"/>
+                <a:ext cx="3978614" cy="1107996"/>
+              </a:xfrm>
+              <a:prstGeom prst="rect">
+                <a:avLst/>
+              </a:prstGeom>
+              <a:noFill/>
+            </p:spPr>
+            <p:txBody>
+              <a:bodyPr wrap="square" rtlCol="0">
+                <a:spAutoFit/>
+              </a:bodyPr>
+              <a:lstStyle/>
+              <a:p>
+                <a:r>
+                  <a:rPr lang="en-US" sz="6600" dirty="0"/>
+                  <a:t>(            )</a:t>
+                </a:r>
+              </a:p>
+            </p:txBody>
+          </p:sp>
+          <p:sp>
+            <p:nvSpPr>
+              <p:cNvPr id="28" name="Rectangle 27">
+                <a:extLst>
+                  <a:ext uri="{FF2B5EF4-FFF2-40B4-BE49-F238E27FC236}">
+                    <a16:creationId xmlns:a16="http://schemas.microsoft.com/office/drawing/2014/main" id="{CE8F3946-CB4A-B005-F8C3-CD4D6F3F0655}"/>
+                  </a:ext>
+                </a:extLst>
+              </p:cNvPr>
+              <p:cNvSpPr/>
+              <p:nvPr/>
+            </p:nvSpPr>
+            <p:spPr>
+              <a:xfrm>
+                <a:off x="2776897" y="3982998"/>
+                <a:ext cx="194553" cy="165370"/>
+              </a:xfrm>
+              <a:prstGeom prst="rect">
+                <a:avLst/>
+              </a:prstGeom>
+            </p:spPr>
+            <p:style>
+              <a:lnRef idx="2">
+                <a:schemeClr val="accent1">
+                  <a:shade val="50000"/>
+                </a:schemeClr>
+              </a:lnRef>
+              <a:fillRef idx="1">
+                <a:schemeClr val="accent1"/>
+              </a:fillRef>
+              <a:effectRef idx="0">
+                <a:schemeClr val="accent1"/>
+              </a:effectRef>
+              <a:fontRef idx="minor">
+                <a:schemeClr val="lt1"/>
+              </a:fontRef>
+            </p:style>
+            <p:txBody>
+              <a:bodyPr rtlCol="0" anchor="ctr"/>
+              <a:lstStyle/>
+              <a:p>
+                <a:pPr algn="ctr"/>
+                <a:endParaRPr lang="en-US"/>
+              </a:p>
+            </p:txBody>
+          </p:sp>
+          <p:sp>
+            <p:nvSpPr>
+              <p:cNvPr id="30" name="Rectangle 29">
+                <a:extLst>
+                  <a:ext uri="{FF2B5EF4-FFF2-40B4-BE49-F238E27FC236}">
+                    <a16:creationId xmlns:a16="http://schemas.microsoft.com/office/drawing/2014/main" id="{E52D8D66-5C5D-B15A-FEE1-6E6010E982A6}"/>
+                  </a:ext>
+                </a:extLst>
+              </p:cNvPr>
+              <p:cNvSpPr/>
+              <p:nvPr/>
+            </p:nvSpPr>
+            <p:spPr>
+              <a:xfrm>
+                <a:off x="3905892" y="3632803"/>
+                <a:ext cx="830091" cy="865761"/>
+              </a:xfrm>
+              <a:prstGeom prst="rect">
+                <a:avLst/>
+              </a:prstGeom>
+            </p:spPr>
+            <p:style>
+              <a:lnRef idx="2">
+                <a:schemeClr val="accent1">
+                  <a:shade val="50000"/>
+                </a:schemeClr>
+              </a:lnRef>
+              <a:fillRef idx="1">
+                <a:schemeClr val="accent1"/>
+              </a:fillRef>
+              <a:effectRef idx="0">
+                <a:schemeClr val="accent1"/>
+              </a:effectRef>
+              <a:fontRef idx="minor">
+                <a:schemeClr val="lt1"/>
+              </a:fontRef>
+            </p:style>
+            <p:txBody>
+              <a:bodyPr rtlCol="0" anchor="ctr"/>
+              <a:lstStyle/>
+              <a:p>
+                <a:pPr algn="ctr"/>
+                <a:endParaRPr lang="en-US"/>
+              </a:p>
+            </p:txBody>
+          </p:sp>
+          <p:sp>
+            <p:nvSpPr>
+              <p:cNvPr id="31" name="Rectangle 30">
+                <a:extLst>
+                  <a:ext uri="{FF2B5EF4-FFF2-40B4-BE49-F238E27FC236}">
+                    <a16:creationId xmlns:a16="http://schemas.microsoft.com/office/drawing/2014/main" id="{C1B6B34B-0339-7DA2-0DE0-6F3269B7E1D0}"/>
+                  </a:ext>
+                </a:extLst>
+              </p:cNvPr>
+              <p:cNvSpPr/>
+              <p:nvPr/>
+            </p:nvSpPr>
+            <p:spPr>
+              <a:xfrm>
+                <a:off x="3311033" y="3871130"/>
+                <a:ext cx="379379" cy="389107"/>
+              </a:xfrm>
+              <a:prstGeom prst="rect">
+                <a:avLst/>
+              </a:prstGeom>
+            </p:spPr>
+            <p:style>
+              <a:lnRef idx="2">
+                <a:schemeClr val="accent1">
+                  <a:shade val="50000"/>
+                </a:schemeClr>
+              </a:lnRef>
+              <a:fillRef idx="1">
+                <a:schemeClr val="accent1"/>
+              </a:fillRef>
+              <a:effectRef idx="0">
+                <a:schemeClr val="accent1"/>
+              </a:effectRef>
+              <a:fontRef idx="minor">
+                <a:schemeClr val="lt1"/>
+              </a:fontRef>
+            </p:style>
+            <p:txBody>
+              <a:bodyPr rtlCol="0" anchor="ctr"/>
+              <a:lstStyle/>
+              <a:p>
+                <a:pPr algn="ctr"/>
+                <a:endParaRPr lang="en-US"/>
+              </a:p>
+            </p:txBody>
+          </p:sp>
+        </p:grpSp>
+        <p:sp>
+          <p:nvSpPr>
+            <p:cNvPr id="3" name="Rectangle 2">
+              <a:extLst>
+                <a:ext uri="{FF2B5EF4-FFF2-40B4-BE49-F238E27FC236}">
+                  <a16:creationId xmlns:a16="http://schemas.microsoft.com/office/drawing/2014/main" id="{9BB7E1B2-A3C2-5615-224B-74C813A3D437}"/>
+                </a:ext>
+              </a:extLst>
+            </p:cNvPr>
+            <p:cNvSpPr/>
+            <p:nvPr/>
+          </p:nvSpPr>
+          <p:spPr>
+            <a:xfrm>
+              <a:off x="2521319" y="2803835"/>
+              <a:ext cx="560962" cy="612842"/>
+            </a:xfrm>
+            <a:prstGeom prst="rect">
+              <a:avLst/>
+            </a:prstGeom>
+          </p:spPr>
+          <p:style>
+            <a:lnRef idx="2">
+              <a:schemeClr val="accent1">
+                <a:shade val="50000"/>
+              </a:schemeClr>
+            </a:lnRef>
+            <a:fillRef idx="1">
+              <a:schemeClr val="accent1"/>
+            </a:fillRef>
+            <a:effectRef idx="0">
+              <a:schemeClr val="accent1"/>
+            </a:effectRef>
+            <a:fontRef idx="minor">
+              <a:schemeClr val="lt1"/>
+            </a:fontRef>
+          </p:style>
+          <p:txBody>
+            <a:bodyPr rtlCol="0" anchor="ctr"/>
+            <a:lstStyle/>
+            <a:p>
+              <a:pPr algn="ctr"/>
+              <a:endParaRPr lang="en-US"/>
+            </a:p>
+          </p:txBody>
+        </p:sp>
+      </p:grpSp>
+      <p:sp>
+        <p:nvSpPr>
+          <p:cNvPr id="33" name="TextBox 32">
+            <a:extLst>
+              <a:ext uri="{FF2B5EF4-FFF2-40B4-BE49-F238E27FC236}">
+                <a16:creationId xmlns:a16="http://schemas.microsoft.com/office/drawing/2014/main" id="{9FC90AC7-42FC-9060-F6A2-C83190773DB2}"/>
+              </a:ext>
+            </a:extLst>
+          </p:cNvPr>
+          <p:cNvSpPr txBox="1"/>
+          <p:nvPr/>
+        </p:nvSpPr>
+        <p:spPr>
+          <a:xfrm>
+            <a:off x="5889295" y="5433125"/>
+            <a:ext cx="2573768" cy="1200329"/>
+          </a:xfrm>
+          <a:prstGeom prst="rect">
+            <a:avLst/>
+          </a:prstGeom>
+          <a:noFill/>
+        </p:spPr>
+        <p:txBody>
+          <a:bodyPr wrap="square" rtlCol="0">
+            <a:spAutoFit/>
+          </a:bodyPr>
+          <a:lstStyle/>
+          <a:p>
+            <a:pPr algn="ctr"/>
+            <a:r>
+              <a:rPr lang="en-US" dirty="0"/>
+              <a:t>the RESULT of the natural recursion (RNR) is sorted!</a:t>
+            </a:r>
+          </a:p>
+          <a:p>
+            <a:pPr algn="ctr"/>
+            <a:endParaRPr lang="en-US" dirty="0"/>
+          </a:p>
+          <a:p>
+            <a:pPr algn="ctr"/>
+            <a:r>
+              <a:rPr lang="en-US" dirty="0"/>
+              <a:t>TRUST!   TRUST!   TRUST!</a:t>
+            </a:r>
+          </a:p>
+        </p:txBody>
+      </p:sp>
+      <p:cxnSp>
+        <p:nvCxnSpPr>
+          <p:cNvPr id="35" name="Straight Arrow Connector 34">
+            <a:extLst>
+              <a:ext uri="{FF2B5EF4-FFF2-40B4-BE49-F238E27FC236}">
+                <a16:creationId xmlns:a16="http://schemas.microsoft.com/office/drawing/2014/main" id="{286E9D1D-FDEE-0C8C-ED4C-EB5CB3864E85}"/>
+              </a:ext>
+            </a:extLst>
+          </p:cNvPr>
+          <p:cNvCxnSpPr>
+            <a:cxnSpLocks/>
+          </p:cNvCxnSpPr>
+          <p:nvPr/>
+        </p:nvCxnSpPr>
+        <p:spPr>
+          <a:xfrm flipH="1" flipV="1">
+            <a:off x="5379396" y="5167932"/>
+            <a:ext cx="369651" cy="444928"/>
+          </a:xfrm>
+          <a:prstGeom prst="straightConnector1">
+            <a:avLst/>
+          </a:prstGeom>
+          <a:ln w="34925">
+            <a:tailEnd type="triangle"/>
+          </a:ln>
+        </p:spPr>
+        <p:style>
+          <a:lnRef idx="1">
+            <a:schemeClr val="accent1"/>
+          </a:lnRef>
+          <a:fillRef idx="0">
+            <a:schemeClr val="accent1"/>
+          </a:fillRef>
+          <a:effectRef idx="0">
+            <a:schemeClr val="accent1"/>
+          </a:effectRef>
+          <a:fontRef idx="minor">
+            <a:schemeClr val="tx1"/>
+          </a:fontRef>
+        </p:style>
+      </p:cxnSp>
     </p:spTree>
     <p:extLst>
       <p:ext uri="{BB962C8B-B14F-4D97-AF65-F5344CB8AC3E}">
-        <p14:creationId xmlns:p14="http://schemas.microsoft.com/office/powerpoint/2010/main" val="2227159444"/>
+        <p14:creationId xmlns:p14="http://schemas.microsoft.com/office/powerpoint/2010/main" val="2129857584"/>
       </p:ext>
     </p:extLst>
   </p:cSld>
@@ -5240,7 +5882,7 @@
           <p:cNvPr id="2" name="Picture 1">
             <a:extLst>
               <a:ext uri="{FF2B5EF4-FFF2-40B4-BE49-F238E27FC236}">
-                <a16:creationId xmlns:a16="http://schemas.microsoft.com/office/drawing/2014/main" id="{55BFAD0D-400B-D61B-0513-502BEB9DA288}"/>
+                <a16:creationId xmlns:a16="http://schemas.microsoft.com/office/drawing/2014/main" id="{72C36E86-A316-A742-3B9B-6834593E07B3}"/>
               </a:ext>
             </a:extLst>
           </p:cNvPr>
@@ -5268,7 +5910,7 @@
     </p:spTree>
     <p:extLst>
       <p:ext uri="{BB962C8B-B14F-4D97-AF65-F5344CB8AC3E}">
-        <p14:creationId xmlns:p14="http://schemas.microsoft.com/office/powerpoint/2010/main" val="875672814"/>
+        <p14:creationId xmlns:p14="http://schemas.microsoft.com/office/powerpoint/2010/main" val="2227159444"/>
       </p:ext>
     </p:extLst>
   </p:cSld>
@@ -5295,12 +5937,669 @@
           <a:chExt cx="0" cy="0"/>
         </a:xfrm>
       </p:grpSpPr>
+      <p:sp>
+        <p:nvSpPr>
+          <p:cNvPr id="2" name="TextBox 1">
+            <a:extLst>
+              <a:ext uri="{FF2B5EF4-FFF2-40B4-BE49-F238E27FC236}">
+                <a16:creationId xmlns:a16="http://schemas.microsoft.com/office/drawing/2014/main" id="{8DC0CA60-0902-4FAC-EE15-59185DC552D1}"/>
+              </a:ext>
+            </a:extLst>
+          </p:cNvPr>
+          <p:cNvSpPr txBox="1"/>
+          <p:nvPr/>
+        </p:nvSpPr>
+        <p:spPr>
+          <a:xfrm>
+            <a:off x="1232975" y="3582006"/>
+            <a:ext cx="9446945" cy="2123658"/>
+          </a:xfrm>
+          <a:prstGeom prst="rect">
+            <a:avLst/>
+          </a:prstGeom>
+          <a:noFill/>
+        </p:spPr>
+        <p:txBody>
+          <a:bodyPr wrap="square" rtlCol="0">
+            <a:spAutoFit/>
+          </a:bodyPr>
+          <a:lstStyle/>
+          <a:p>
+            <a:r>
+              <a:rPr lang="en-US" sz="6600" dirty="0"/>
+              <a:t>( …</a:t>
+            </a:r>
+            <a:br>
+              <a:rPr lang="en-US" sz="6600" dirty="0"/>
+            </a:br>
+            <a:r>
+              <a:rPr lang="en-US" sz="6600" dirty="0"/>
+              <a:t>                       )</a:t>
+            </a:r>
+          </a:p>
+        </p:txBody>
+      </p:sp>
+      <p:sp>
+        <p:nvSpPr>
+          <p:cNvPr id="32" name="TextBox 31">
+            <a:extLst>
+              <a:ext uri="{FF2B5EF4-FFF2-40B4-BE49-F238E27FC236}">
+                <a16:creationId xmlns:a16="http://schemas.microsoft.com/office/drawing/2014/main" id="{00557946-EA5A-0117-3DC1-BC5DDD4371F2}"/>
+              </a:ext>
+            </a:extLst>
+          </p:cNvPr>
+          <p:cNvSpPr txBox="1"/>
+          <p:nvPr/>
+        </p:nvSpPr>
+        <p:spPr>
+          <a:xfrm>
+            <a:off x="2648351" y="4601610"/>
+            <a:ext cx="3978614" cy="1107996"/>
+          </a:xfrm>
+          <a:prstGeom prst="rect">
+            <a:avLst/>
+          </a:prstGeom>
+          <a:noFill/>
+        </p:spPr>
+        <p:txBody>
+          <a:bodyPr wrap="square" rtlCol="0">
+            <a:spAutoFit/>
+          </a:bodyPr>
+          <a:lstStyle/>
+          <a:p>
+            <a:r>
+              <a:rPr lang="en-US" sz="6600" dirty="0"/>
+              <a:t>(            )</a:t>
+            </a:r>
+          </a:p>
+        </p:txBody>
+      </p:sp>
+      <p:sp>
+        <p:nvSpPr>
+          <p:cNvPr id="5" name="TextBox 4">
+            <a:extLst>
+              <a:ext uri="{FF2B5EF4-FFF2-40B4-BE49-F238E27FC236}">
+                <a16:creationId xmlns:a16="http://schemas.microsoft.com/office/drawing/2014/main" id="{BD25B72B-6E05-1245-3222-E0523A326EF6}"/>
+              </a:ext>
+            </a:extLst>
+          </p:cNvPr>
+          <p:cNvSpPr txBox="1"/>
+          <p:nvPr/>
+        </p:nvSpPr>
+        <p:spPr>
+          <a:xfrm>
+            <a:off x="1232975" y="612173"/>
+            <a:ext cx="9446945" cy="2123658"/>
+          </a:xfrm>
+          <a:prstGeom prst="rect">
+            <a:avLst/>
+          </a:prstGeom>
+          <a:noFill/>
+        </p:spPr>
+        <p:txBody>
+          <a:bodyPr wrap="square" rtlCol="0">
+            <a:spAutoFit/>
+          </a:bodyPr>
+          <a:lstStyle/>
+          <a:p>
+            <a:r>
+              <a:rPr lang="en-US" sz="6600" dirty="0"/>
+              <a:t>( …</a:t>
+            </a:r>
+            <a:br>
+              <a:rPr lang="en-US" sz="6600" dirty="0"/>
+            </a:br>
+            <a:r>
+              <a:rPr lang="en-US" sz="6600" dirty="0"/>
+              <a:t>                       )</a:t>
+            </a:r>
+          </a:p>
+        </p:txBody>
+      </p:sp>
+      <p:sp>
+        <p:nvSpPr>
+          <p:cNvPr id="8" name="TextBox 7">
+            <a:extLst>
+              <a:ext uri="{FF2B5EF4-FFF2-40B4-BE49-F238E27FC236}">
+                <a16:creationId xmlns:a16="http://schemas.microsoft.com/office/drawing/2014/main" id="{CD8ED545-730A-EF33-38C7-88A53D36F23D}"/>
+              </a:ext>
+            </a:extLst>
+          </p:cNvPr>
+          <p:cNvSpPr txBox="1"/>
+          <p:nvPr/>
+        </p:nvSpPr>
+        <p:spPr>
+          <a:xfrm>
+            <a:off x="2648351" y="1631777"/>
+            <a:ext cx="3978614" cy="1107996"/>
+          </a:xfrm>
+          <a:prstGeom prst="rect">
+            <a:avLst/>
+          </a:prstGeom>
+          <a:noFill/>
+        </p:spPr>
+        <p:txBody>
+          <a:bodyPr wrap="square" rtlCol="0">
+            <a:spAutoFit/>
+          </a:bodyPr>
+          <a:lstStyle/>
+          <a:p>
+            <a:r>
+              <a:rPr lang="en-US" sz="6600" dirty="0"/>
+              <a:t>(             )</a:t>
+            </a:r>
+          </a:p>
+        </p:txBody>
+      </p:sp>
+      <p:sp>
+        <p:nvSpPr>
+          <p:cNvPr id="28" name="Rectangle 27">
+            <a:extLst>
+              <a:ext uri="{FF2B5EF4-FFF2-40B4-BE49-F238E27FC236}">
+                <a16:creationId xmlns:a16="http://schemas.microsoft.com/office/drawing/2014/main" id="{CE8F3946-CB4A-B005-F8C3-CD4D6F3F0655}"/>
+              </a:ext>
+            </a:extLst>
+          </p:cNvPr>
+          <p:cNvSpPr/>
+          <p:nvPr/>
+        </p:nvSpPr>
+        <p:spPr>
+          <a:xfrm>
+            <a:off x="3134148" y="5155608"/>
+            <a:ext cx="194553" cy="165370"/>
+          </a:xfrm>
+          <a:prstGeom prst="rect">
+            <a:avLst/>
+          </a:prstGeom>
+        </p:spPr>
+        <p:style>
+          <a:lnRef idx="2">
+            <a:schemeClr val="accent1">
+              <a:shade val="50000"/>
+            </a:schemeClr>
+          </a:lnRef>
+          <a:fillRef idx="1">
+            <a:schemeClr val="accent1"/>
+          </a:fillRef>
+          <a:effectRef idx="0">
+            <a:schemeClr val="accent1"/>
+          </a:effectRef>
+          <a:fontRef idx="minor">
+            <a:schemeClr val="lt1"/>
+          </a:fontRef>
+        </p:style>
+        <p:txBody>
+          <a:bodyPr rtlCol="0" anchor="ctr"/>
+          <a:lstStyle/>
+          <a:p>
+            <a:pPr algn="ctr"/>
+            <a:endParaRPr lang="en-US"/>
+          </a:p>
+        </p:txBody>
+      </p:sp>
+      <p:sp>
+        <p:nvSpPr>
+          <p:cNvPr id="30" name="Rectangle 29">
+            <a:extLst>
+              <a:ext uri="{FF2B5EF4-FFF2-40B4-BE49-F238E27FC236}">
+                <a16:creationId xmlns:a16="http://schemas.microsoft.com/office/drawing/2014/main" id="{E52D8D66-5C5D-B15A-FEE1-6E6010E982A6}"/>
+              </a:ext>
+            </a:extLst>
+          </p:cNvPr>
+          <p:cNvSpPr/>
+          <p:nvPr/>
+        </p:nvSpPr>
+        <p:spPr>
+          <a:xfrm>
+            <a:off x="4263143" y="4805413"/>
+            <a:ext cx="830091" cy="865761"/>
+          </a:xfrm>
+          <a:prstGeom prst="rect">
+            <a:avLst/>
+          </a:prstGeom>
+        </p:spPr>
+        <p:style>
+          <a:lnRef idx="2">
+            <a:schemeClr val="accent1">
+              <a:shade val="50000"/>
+            </a:schemeClr>
+          </a:lnRef>
+          <a:fillRef idx="1">
+            <a:schemeClr val="accent1"/>
+          </a:fillRef>
+          <a:effectRef idx="0">
+            <a:schemeClr val="accent1"/>
+          </a:effectRef>
+          <a:fontRef idx="minor">
+            <a:schemeClr val="lt1"/>
+          </a:fontRef>
+        </p:style>
+        <p:txBody>
+          <a:bodyPr rtlCol="0" anchor="ctr"/>
+          <a:lstStyle/>
+          <a:p>
+            <a:pPr algn="ctr"/>
+            <a:endParaRPr lang="en-US"/>
+          </a:p>
+        </p:txBody>
+      </p:sp>
+      <p:sp>
+        <p:nvSpPr>
+          <p:cNvPr id="31" name="Rectangle 30">
+            <a:extLst>
+              <a:ext uri="{FF2B5EF4-FFF2-40B4-BE49-F238E27FC236}">
+                <a16:creationId xmlns:a16="http://schemas.microsoft.com/office/drawing/2014/main" id="{C1B6B34B-0339-7DA2-0DE0-6F3269B7E1D0}"/>
+              </a:ext>
+            </a:extLst>
+          </p:cNvPr>
+          <p:cNvSpPr/>
+          <p:nvPr/>
+        </p:nvSpPr>
+        <p:spPr>
+          <a:xfrm>
+            <a:off x="3668284" y="5043740"/>
+            <a:ext cx="379379" cy="389107"/>
+          </a:xfrm>
+          <a:prstGeom prst="rect">
+            <a:avLst/>
+          </a:prstGeom>
+        </p:spPr>
+        <p:style>
+          <a:lnRef idx="2">
+            <a:schemeClr val="accent1">
+              <a:shade val="50000"/>
+            </a:schemeClr>
+          </a:lnRef>
+          <a:fillRef idx="1">
+            <a:schemeClr val="accent1"/>
+          </a:fillRef>
+          <a:effectRef idx="0">
+            <a:schemeClr val="accent1"/>
+          </a:effectRef>
+          <a:fontRef idx="minor">
+            <a:schemeClr val="lt1"/>
+          </a:fontRef>
+        </p:style>
+        <p:txBody>
+          <a:bodyPr rtlCol="0" anchor="ctr"/>
+          <a:lstStyle/>
+          <a:p>
+            <a:pPr algn="ctr"/>
+            <a:endParaRPr lang="en-US"/>
+          </a:p>
+        </p:txBody>
+      </p:sp>
+      <p:sp>
+        <p:nvSpPr>
+          <p:cNvPr id="3" name="Rectangle 2">
+            <a:extLst>
+              <a:ext uri="{FF2B5EF4-FFF2-40B4-BE49-F238E27FC236}">
+                <a16:creationId xmlns:a16="http://schemas.microsoft.com/office/drawing/2014/main" id="{9BB7E1B2-A3C2-5615-224B-74C813A3D437}"/>
+              </a:ext>
+            </a:extLst>
+          </p:cNvPr>
+          <p:cNvSpPr/>
+          <p:nvPr/>
+        </p:nvSpPr>
+        <p:spPr>
+          <a:xfrm>
+            <a:off x="2899649" y="3865464"/>
+            <a:ext cx="560962" cy="612842"/>
+          </a:xfrm>
+          <a:prstGeom prst="rect">
+            <a:avLst/>
+          </a:prstGeom>
+        </p:spPr>
+        <p:style>
+          <a:lnRef idx="2">
+            <a:schemeClr val="accent1">
+              <a:shade val="50000"/>
+            </a:schemeClr>
+          </a:lnRef>
+          <a:fillRef idx="1">
+            <a:schemeClr val="accent1"/>
+          </a:fillRef>
+          <a:effectRef idx="0">
+            <a:schemeClr val="accent1"/>
+          </a:effectRef>
+          <a:fontRef idx="minor">
+            <a:schemeClr val="lt1"/>
+          </a:fontRef>
+        </p:style>
+        <p:txBody>
+          <a:bodyPr rtlCol="0" anchor="ctr"/>
+          <a:lstStyle/>
+          <a:p>
+            <a:pPr algn="ctr"/>
+            <a:endParaRPr lang="en-US"/>
+          </a:p>
+        </p:txBody>
+      </p:sp>
+      <p:sp>
+        <p:nvSpPr>
+          <p:cNvPr id="10" name="Rectangle 9">
+            <a:extLst>
+              <a:ext uri="{FF2B5EF4-FFF2-40B4-BE49-F238E27FC236}">
+                <a16:creationId xmlns:a16="http://schemas.microsoft.com/office/drawing/2014/main" id="{C2909909-7816-4F49-66E1-F9984F757F09}"/>
+              </a:ext>
+            </a:extLst>
+          </p:cNvPr>
+          <p:cNvSpPr/>
+          <p:nvPr/>
+        </p:nvSpPr>
+        <p:spPr>
+          <a:xfrm>
+            <a:off x="2802372" y="1236763"/>
+            <a:ext cx="194553" cy="165370"/>
+          </a:xfrm>
+          <a:prstGeom prst="rect">
+            <a:avLst/>
+          </a:prstGeom>
+        </p:spPr>
+        <p:style>
+          <a:lnRef idx="2">
+            <a:schemeClr val="accent1">
+              <a:shade val="50000"/>
+            </a:schemeClr>
+          </a:lnRef>
+          <a:fillRef idx="1">
+            <a:schemeClr val="accent1"/>
+          </a:fillRef>
+          <a:effectRef idx="0">
+            <a:schemeClr val="accent1"/>
+          </a:effectRef>
+          <a:fontRef idx="minor">
+            <a:schemeClr val="lt1"/>
+          </a:fontRef>
+        </p:style>
+        <p:txBody>
+          <a:bodyPr rtlCol="0" anchor="ctr"/>
+          <a:lstStyle/>
+          <a:p>
+            <a:pPr algn="ctr"/>
+            <a:endParaRPr lang="en-US"/>
+          </a:p>
+        </p:txBody>
+      </p:sp>
+      <p:sp>
+        <p:nvSpPr>
+          <p:cNvPr id="12" name="Rectangle 11">
+            <a:extLst>
+              <a:ext uri="{FF2B5EF4-FFF2-40B4-BE49-F238E27FC236}">
+                <a16:creationId xmlns:a16="http://schemas.microsoft.com/office/drawing/2014/main" id="{073C019C-7DBF-2E0C-F98F-E506A957E0D7}"/>
+              </a:ext>
+            </a:extLst>
+          </p:cNvPr>
+          <p:cNvSpPr/>
+          <p:nvPr/>
+        </p:nvSpPr>
+        <p:spPr>
+          <a:xfrm>
+            <a:off x="4561414" y="1835578"/>
+            <a:ext cx="830091" cy="865761"/>
+          </a:xfrm>
+          <a:prstGeom prst="rect">
+            <a:avLst/>
+          </a:prstGeom>
+        </p:spPr>
+        <p:style>
+          <a:lnRef idx="2">
+            <a:schemeClr val="accent1">
+              <a:shade val="50000"/>
+            </a:schemeClr>
+          </a:lnRef>
+          <a:fillRef idx="1">
+            <a:schemeClr val="accent1"/>
+          </a:fillRef>
+          <a:effectRef idx="0">
+            <a:schemeClr val="accent1"/>
+          </a:effectRef>
+          <a:fontRef idx="minor">
+            <a:schemeClr val="lt1"/>
+          </a:fontRef>
+        </p:style>
+        <p:txBody>
+          <a:bodyPr rtlCol="0" anchor="ctr"/>
+          <a:lstStyle/>
+          <a:p>
+            <a:pPr algn="ctr"/>
+            <a:endParaRPr lang="en-US"/>
+          </a:p>
+        </p:txBody>
+      </p:sp>
+      <p:sp>
+        <p:nvSpPr>
+          <p:cNvPr id="13" name="Rectangle 12">
+            <a:extLst>
+              <a:ext uri="{FF2B5EF4-FFF2-40B4-BE49-F238E27FC236}">
+                <a16:creationId xmlns:a16="http://schemas.microsoft.com/office/drawing/2014/main" id="{7217C1DD-DB11-BE06-7BD7-EC856127CD99}"/>
+              </a:ext>
+            </a:extLst>
+          </p:cNvPr>
+          <p:cNvSpPr/>
+          <p:nvPr/>
+        </p:nvSpPr>
+        <p:spPr>
+          <a:xfrm>
+            <a:off x="3108610" y="2073906"/>
+            <a:ext cx="379379" cy="389107"/>
+          </a:xfrm>
+          <a:prstGeom prst="rect">
+            <a:avLst/>
+          </a:prstGeom>
+        </p:spPr>
+        <p:style>
+          <a:lnRef idx="2">
+            <a:schemeClr val="accent1">
+              <a:shade val="50000"/>
+            </a:schemeClr>
+          </a:lnRef>
+          <a:fillRef idx="1">
+            <a:schemeClr val="accent1"/>
+          </a:fillRef>
+          <a:effectRef idx="0">
+            <a:schemeClr val="accent1"/>
+          </a:effectRef>
+          <a:fontRef idx="minor">
+            <a:schemeClr val="lt1"/>
+          </a:fontRef>
+        </p:style>
+        <p:txBody>
+          <a:bodyPr rtlCol="0" anchor="ctr"/>
+          <a:lstStyle/>
+          <a:p>
+            <a:pPr algn="ctr"/>
+            <a:endParaRPr lang="en-US"/>
+          </a:p>
+        </p:txBody>
+      </p:sp>
+      <p:sp>
+        <p:nvSpPr>
+          <p:cNvPr id="7" name="Rectangle 6">
+            <a:extLst>
+              <a:ext uri="{FF2B5EF4-FFF2-40B4-BE49-F238E27FC236}">
+                <a16:creationId xmlns:a16="http://schemas.microsoft.com/office/drawing/2014/main" id="{7C9BE0B7-F6C0-C4F2-012E-0552AD52E2F8}"/>
+              </a:ext>
+            </a:extLst>
+          </p:cNvPr>
+          <p:cNvSpPr/>
+          <p:nvPr/>
+        </p:nvSpPr>
+        <p:spPr>
+          <a:xfrm>
+            <a:off x="3767182" y="1962037"/>
+            <a:ext cx="560962" cy="612842"/>
+          </a:xfrm>
+          <a:prstGeom prst="rect">
+            <a:avLst/>
+          </a:prstGeom>
+        </p:spPr>
+        <p:style>
+          <a:lnRef idx="2">
+            <a:schemeClr val="accent1">
+              <a:shade val="50000"/>
+            </a:schemeClr>
+          </a:lnRef>
+          <a:fillRef idx="1">
+            <a:schemeClr val="accent1"/>
+          </a:fillRef>
+          <a:effectRef idx="0">
+            <a:schemeClr val="accent1"/>
+          </a:effectRef>
+          <a:fontRef idx="minor">
+            <a:schemeClr val="lt1"/>
+          </a:fontRef>
+        </p:style>
+        <p:txBody>
+          <a:bodyPr rtlCol="0" anchor="ctr"/>
+          <a:lstStyle/>
+          <a:p>
+            <a:pPr algn="ctr"/>
+            <a:endParaRPr lang="en-US"/>
+          </a:p>
+        </p:txBody>
+      </p:sp>
+      <p:sp>
+        <p:nvSpPr>
+          <p:cNvPr id="14" name="TextBox 13">
+            <a:extLst>
+              <a:ext uri="{FF2B5EF4-FFF2-40B4-BE49-F238E27FC236}">
+                <a16:creationId xmlns:a16="http://schemas.microsoft.com/office/drawing/2014/main" id="{E1A27F4C-8201-8B32-710F-47C0FCE64467}"/>
+              </a:ext>
+            </a:extLst>
+          </p:cNvPr>
+          <p:cNvSpPr txBox="1"/>
+          <p:nvPr/>
+        </p:nvSpPr>
+        <p:spPr>
+          <a:xfrm>
+            <a:off x="7087224" y="1402133"/>
+            <a:ext cx="2573768" cy="646331"/>
+          </a:xfrm>
+          <a:prstGeom prst="rect">
+            <a:avLst/>
+          </a:prstGeom>
+          <a:noFill/>
+        </p:spPr>
+        <p:txBody>
+          <a:bodyPr wrap="square" rtlCol="0">
+            <a:spAutoFit/>
+          </a:bodyPr>
+          <a:lstStyle/>
+          <a:p>
+            <a:pPr algn="ctr"/>
+            <a:r>
+              <a:rPr lang="en-US" dirty="0"/>
+              <a:t>sometimes </a:t>
+            </a:r>
+            <a:r>
+              <a:rPr lang="en-US" dirty="0" err="1"/>
+              <a:t>img</a:t>
+            </a:r>
+            <a:r>
+              <a:rPr lang="en-US" dirty="0"/>
+              <a:t> goes before (first </a:t>
+            </a:r>
+            <a:r>
+              <a:rPr lang="en-US" dirty="0" err="1"/>
+              <a:t>loi</a:t>
+            </a:r>
+            <a:r>
+              <a:rPr lang="en-US" dirty="0"/>
+              <a:t>)</a:t>
+            </a:r>
+          </a:p>
+        </p:txBody>
+      </p:sp>
+      <p:sp>
+        <p:nvSpPr>
+          <p:cNvPr id="15" name="TextBox 14">
+            <a:extLst>
+              <a:ext uri="{FF2B5EF4-FFF2-40B4-BE49-F238E27FC236}">
+                <a16:creationId xmlns:a16="http://schemas.microsoft.com/office/drawing/2014/main" id="{E3D32911-8C51-0D41-9F91-D7E55B37E365}"/>
+              </a:ext>
+            </a:extLst>
+          </p:cNvPr>
+          <p:cNvSpPr txBox="1"/>
+          <p:nvPr/>
+        </p:nvSpPr>
+        <p:spPr>
+          <a:xfrm>
+            <a:off x="7087224" y="4565878"/>
+            <a:ext cx="2573768" cy="646331"/>
+          </a:xfrm>
+          <a:prstGeom prst="rect">
+            <a:avLst/>
+          </a:prstGeom>
+          <a:noFill/>
+        </p:spPr>
+        <p:txBody>
+          <a:bodyPr wrap="square" rtlCol="0">
+            <a:spAutoFit/>
+          </a:bodyPr>
+          <a:lstStyle/>
+          <a:p>
+            <a:pPr algn="ctr"/>
+            <a:r>
+              <a:rPr lang="en-US" dirty="0"/>
+              <a:t>sometimes </a:t>
+            </a:r>
+            <a:r>
+              <a:rPr lang="en-US" dirty="0" err="1"/>
+              <a:t>img</a:t>
+            </a:r>
+            <a:r>
+              <a:rPr lang="en-US" dirty="0"/>
+              <a:t> goes after (first </a:t>
+            </a:r>
+            <a:r>
+              <a:rPr lang="en-US" dirty="0" err="1"/>
+              <a:t>loi</a:t>
+            </a:r>
+            <a:r>
+              <a:rPr lang="en-US"/>
+              <a:t>)</a:t>
+            </a:r>
+            <a:endParaRPr lang="en-US" dirty="0"/>
+          </a:p>
+        </p:txBody>
+      </p:sp>
+    </p:spTree>
+    <p:extLst>
+      <p:ext uri="{BB962C8B-B14F-4D97-AF65-F5344CB8AC3E}">
+        <p14:creationId xmlns:p14="http://schemas.microsoft.com/office/powerpoint/2010/main" val="552312824"/>
+      </p:ext>
+    </p:extLst>
+  </p:cSld>
+  <p:clrMapOvr>
+    <a:masterClrMapping/>
+  </p:clrMapOvr>
+</p:sld>
+</file>
+
+<file path=ppt/slides/slide9.xml><?xml version="1.0" encoding="utf-8"?>
+<p:sld xmlns:a="http://schemas.openxmlformats.org/drawingml/2006/main" xmlns:r="http://schemas.openxmlformats.org/officeDocument/2006/relationships" xmlns:p="http://schemas.openxmlformats.org/presentationml/2006/main">
+  <p:cSld>
+    <p:spTree>
+      <p:nvGrpSpPr>
+        <p:cNvPr id="1" name=""/>
+        <p:cNvGrpSpPr/>
+        <p:nvPr/>
+      </p:nvGrpSpPr>
+      <p:grpSpPr>
+        <a:xfrm>
+          <a:off x="0" y="0"/>
+          <a:ext cx="0" cy="0"/>
+          <a:chOff x="0" y="0"/>
+          <a:chExt cx="0" cy="0"/>
+        </a:xfrm>
+      </p:grpSpPr>
       <p:pic>
         <p:nvPicPr>
           <p:cNvPr id="2" name="Picture 1">
             <a:extLst>
               <a:ext uri="{FF2B5EF4-FFF2-40B4-BE49-F238E27FC236}">
-                <a16:creationId xmlns:a16="http://schemas.microsoft.com/office/drawing/2014/main" id="{2860A13D-524E-0CE5-24F4-91F3F0CBC84A}"/>
+                <a16:creationId xmlns:a16="http://schemas.microsoft.com/office/drawing/2014/main" id="{55BFAD0D-400B-D61B-0513-502BEB9DA288}"/>
               </a:ext>
             </a:extLst>
           </p:cNvPr>
@@ -5328,7 +6627,7 @@
     </p:spTree>
     <p:extLst>
       <p:ext uri="{BB962C8B-B14F-4D97-AF65-F5344CB8AC3E}">
-        <p14:creationId xmlns:p14="http://schemas.microsoft.com/office/powerpoint/2010/main" val="3178336964"/>
+        <p14:creationId xmlns:p14="http://schemas.microsoft.com/office/powerpoint/2010/main" val="875672814"/>
       </p:ext>
     </p:extLst>
   </p:cSld>
